--- a/Taxi_App Presentation.pptx
+++ b/Taxi_App Presentation.pptx
@@ -300,7 +300,7 @@
           <a:p>
             <a:fld id="{536EE022-91EC-4A3B-B3C5-9F4BBA23B16E}" type="datetimeFigureOut">
               <a:rPr lang="fr-FR" smtClean="0"/>
-              <a:t>18/05/2021</a:t>
+              <a:t>20/05/2021</a:t>
             </a:fld>
             <a:endParaRPr lang="fr-FR"/>
           </a:p>
@@ -470,7 +470,7 @@
           <a:p>
             <a:fld id="{536EE022-91EC-4A3B-B3C5-9F4BBA23B16E}" type="datetimeFigureOut">
               <a:rPr lang="fr-FR" smtClean="0"/>
-              <a:t>18/05/2021</a:t>
+              <a:t>20/05/2021</a:t>
             </a:fld>
             <a:endParaRPr lang="fr-FR"/>
           </a:p>
@@ -650,7 +650,7 @@
           <a:p>
             <a:fld id="{536EE022-91EC-4A3B-B3C5-9F4BBA23B16E}" type="datetimeFigureOut">
               <a:rPr lang="fr-FR" smtClean="0"/>
-              <a:t>18/05/2021</a:t>
+              <a:t>20/05/2021</a:t>
             </a:fld>
             <a:endParaRPr lang="fr-FR"/>
           </a:p>
@@ -820,7 +820,7 @@
           <a:p>
             <a:fld id="{536EE022-91EC-4A3B-B3C5-9F4BBA23B16E}" type="datetimeFigureOut">
               <a:rPr lang="fr-FR" smtClean="0"/>
-              <a:t>18/05/2021</a:t>
+              <a:t>20/05/2021</a:t>
             </a:fld>
             <a:endParaRPr lang="fr-FR"/>
           </a:p>
@@ -1066,7 +1066,7 @@
           <a:p>
             <a:fld id="{536EE022-91EC-4A3B-B3C5-9F4BBA23B16E}" type="datetimeFigureOut">
               <a:rPr lang="fr-FR" smtClean="0"/>
-              <a:t>18/05/2021</a:t>
+              <a:t>20/05/2021</a:t>
             </a:fld>
             <a:endParaRPr lang="fr-FR"/>
           </a:p>
@@ -1354,7 +1354,7 @@
           <a:p>
             <a:fld id="{536EE022-91EC-4A3B-B3C5-9F4BBA23B16E}" type="datetimeFigureOut">
               <a:rPr lang="fr-FR" smtClean="0"/>
-              <a:t>18/05/2021</a:t>
+              <a:t>20/05/2021</a:t>
             </a:fld>
             <a:endParaRPr lang="fr-FR"/>
           </a:p>
@@ -1776,7 +1776,7 @@
           <a:p>
             <a:fld id="{536EE022-91EC-4A3B-B3C5-9F4BBA23B16E}" type="datetimeFigureOut">
               <a:rPr lang="fr-FR" smtClean="0"/>
-              <a:t>18/05/2021</a:t>
+              <a:t>20/05/2021</a:t>
             </a:fld>
             <a:endParaRPr lang="fr-FR"/>
           </a:p>
@@ -1894,7 +1894,7 @@
           <a:p>
             <a:fld id="{536EE022-91EC-4A3B-B3C5-9F4BBA23B16E}" type="datetimeFigureOut">
               <a:rPr lang="fr-FR" smtClean="0"/>
-              <a:t>18/05/2021</a:t>
+              <a:t>20/05/2021</a:t>
             </a:fld>
             <a:endParaRPr lang="fr-FR"/>
           </a:p>
@@ -1989,7 +1989,7 @@
           <a:p>
             <a:fld id="{536EE022-91EC-4A3B-B3C5-9F4BBA23B16E}" type="datetimeFigureOut">
               <a:rPr lang="fr-FR" smtClean="0"/>
-              <a:t>18/05/2021</a:t>
+              <a:t>20/05/2021</a:t>
             </a:fld>
             <a:endParaRPr lang="fr-FR"/>
           </a:p>
@@ -2266,7 +2266,7 @@
           <a:p>
             <a:fld id="{536EE022-91EC-4A3B-B3C5-9F4BBA23B16E}" type="datetimeFigureOut">
               <a:rPr lang="fr-FR" smtClean="0"/>
-              <a:t>18/05/2021</a:t>
+              <a:t>20/05/2021</a:t>
             </a:fld>
             <a:endParaRPr lang="fr-FR"/>
           </a:p>
@@ -2519,7 +2519,7 @@
           <a:p>
             <a:fld id="{536EE022-91EC-4A3B-B3C5-9F4BBA23B16E}" type="datetimeFigureOut">
               <a:rPr lang="fr-FR" smtClean="0"/>
-              <a:t>18/05/2021</a:t>
+              <a:t>20/05/2021</a:t>
             </a:fld>
             <a:endParaRPr lang="fr-FR"/>
           </a:p>
@@ -2732,7 +2732,7 @@
           <a:p>
             <a:fld id="{536EE022-91EC-4A3B-B3C5-9F4BBA23B16E}" type="datetimeFigureOut">
               <a:rPr lang="fr-FR" smtClean="0"/>
-              <a:t>18/05/2021</a:t>
+              <a:t>20/05/2021</a:t>
             </a:fld>
             <a:endParaRPr lang="fr-FR"/>
           </a:p>
@@ -3400,121 +3400,15 @@
           <a:chExt cx="0" cy="0"/>
         </a:xfrm>
       </p:grpSpPr>
-      <p:sp>
-        <p:nvSpPr>
-          <p:cNvPr id="2" name="Titre 1"/>
-          <p:cNvSpPr>
-            <a:spLocks noGrp="1"/>
-          </p:cNvSpPr>
-          <p:nvPr>
-            <p:ph type="title"/>
-          </p:nvPr>
-        </p:nvSpPr>
-        <p:spPr/>
-        <p:txBody>
-          <a:bodyPr/>
-          <a:lstStyle/>
-          <a:p>
-            <a:r>
-              <a:rPr lang="fr-FR" dirty="0" smtClean="0"/>
-              <a:t>Class UML </a:t>
-            </a:r>
-            <a:endParaRPr lang="fr-FR" dirty="0"/>
-          </a:p>
-        </p:txBody>
-      </p:sp>
-      <p:sp>
-        <p:nvSpPr>
-          <p:cNvPr id="3" name="Espace réservé du contenu 2"/>
-          <p:cNvSpPr>
-            <a:spLocks noGrp="1"/>
-          </p:cNvSpPr>
-          <p:nvPr>
-            <p:ph idx="1"/>
-          </p:nvPr>
-        </p:nvSpPr>
-        <p:spPr/>
-        <p:txBody>
-          <a:bodyPr>
-            <a:normAutofit/>
-          </a:bodyPr>
-          <a:lstStyle/>
-          <a:p>
-            <a:r>
-              <a:rPr lang="fr-FR" sz="1100" dirty="0" smtClean="0"/>
-              <a:t>MainScreen file</a:t>
-            </a:r>
-            <a:endParaRPr lang="fr-FR" sz="1100" dirty="0" smtClean="0">
-              <a:solidFill>
-                <a:srgbClr val="CC7832"/>
-              </a:solidFill>
-              <a:effectLst/>
-            </a:endParaRPr>
-          </a:p>
-          <a:p>
-            <a:r>
-              <a:rPr lang="fr-FR" sz="1100" dirty="0" smtClean="0">
-                <a:solidFill>
-                  <a:srgbClr val="CC7832"/>
-                </a:solidFill>
-                <a:effectLst/>
-              </a:rPr>
-              <a:t>class </a:t>
-            </a:r>
-            <a:r>
-              <a:rPr lang="fr-FR" sz="1100" dirty="0" smtClean="0"/>
-              <a:t>MainScreen </a:t>
-            </a:r>
-            <a:r>
-              <a:rPr lang="fr-FR" sz="1100" dirty="0" smtClean="0">
-                <a:solidFill>
-                  <a:srgbClr val="CC7832"/>
-                </a:solidFill>
-                <a:effectLst/>
-              </a:rPr>
-              <a:t>extends </a:t>
-            </a:r>
-            <a:r>
-              <a:rPr lang="fr-FR" sz="1100" dirty="0" smtClean="0"/>
-              <a:t>StatefulWidget </a:t>
-            </a:r>
-          </a:p>
-          <a:p>
-            <a:r>
-              <a:rPr lang="fr-FR" sz="1100" dirty="0"/>
-              <a:t>class </a:t>
-            </a:r>
-            <a:r>
-              <a:rPr lang="fr-FR" sz="1100" dirty="0" smtClean="0"/>
-              <a:t>_</a:t>
-            </a:r>
-            <a:r>
-              <a:rPr lang="fr-FR" sz="1100" dirty="0" err="1" smtClean="0"/>
-              <a:t>MainScreenState</a:t>
-            </a:r>
-            <a:r>
-              <a:rPr lang="fr-FR" sz="1100" dirty="0" smtClean="0"/>
-              <a:t> </a:t>
-            </a:r>
-            <a:r>
-              <a:rPr lang="fr-FR" sz="1100" dirty="0"/>
-              <a:t>extends </a:t>
-            </a:r>
-            <a:r>
-              <a:rPr lang="fr-FR" sz="1100" dirty="0" smtClean="0"/>
-              <a:t>State&lt;MainScreen&gt;</a:t>
-            </a:r>
-            <a:endParaRPr lang="fr-FR" sz="1100" dirty="0"/>
-          </a:p>
-        </p:txBody>
-      </p:sp>
       <p:pic>
         <p:nvPicPr>
-          <p:cNvPr id="1026" name="Picture 2" descr="C:\Users\Zakaria\AndroidStudioProjects\Project Presentation Uber Clone\Diapo Presentation\mainScreen file.JPG"/>
+          <p:cNvPr id="5" name="Picture 2"/>
           <p:cNvPicPr>
-            <a:picLocks noChangeAspect="1" noChangeArrowheads="1"/>
+            <a:picLocks noGrp="1" noChangeAspect="1" noChangeArrowheads="1"/>
           </p:cNvPicPr>
-          <p:nvPr/>
+          <p:nvPr>
+            <p:ph idx="1"/>
+          </p:nvPr>
         </p:nvPicPr>
         <p:blipFill>
           <a:blip r:embed="rId2" cstate="print">
@@ -3531,20 +3425,43 @@
         </p:blipFill>
         <p:spPr bwMode="auto">
           <a:xfrm>
-            <a:off x="4932040" y="2129592"/>
-            <a:ext cx="3660264" cy="2314179"/>
+            <a:off x="179388" y="2303569"/>
+            <a:ext cx="8445500" cy="2322300"/>
           </a:xfrm>
           <a:prstGeom prst="rect">
             <a:avLst/>
           </a:prstGeom>
           <a:noFill/>
+          <a:ln>
+            <a:noFill/>
+          </a:ln>
+          <a:effectLst/>
           <a:extLst>
             <a:ext uri="{909E8E84-426E-40DD-AFC4-6F175D3DCCD1}">
               <a14:hiddenFill xmlns:a14="http://schemas.microsoft.com/office/drawing/2010/main">
                 <a:solidFill>
-                  <a:srgbClr val="FFFFFF"/>
+                  <a:schemeClr val="accent1"/>
                 </a:solidFill>
               </a14:hiddenFill>
+            </a:ext>
+            <a:ext uri="{91240B29-F687-4F45-9708-019B960494DF}">
+              <a14:hiddenLine xmlns:a14="http://schemas.microsoft.com/office/drawing/2010/main" w="9525">
+                <a:solidFill>
+                  <a:schemeClr val="tx1"/>
+                </a:solidFill>
+                <a:miter lim="800000"/>
+                <a:headEnd/>
+                <a:tailEnd/>
+              </a14:hiddenLine>
+            </a:ext>
+            <a:ext uri="{AF507438-7753-43E0-B8FC-AC1667EBCBE1}">
+              <a14:hiddenEffects xmlns:a14="http://schemas.microsoft.com/office/drawing/2010/main">
+                <a:effectLst>
+                  <a:outerShdw dist="35921" dir="2700000" algn="ctr" rotWithShape="0">
+                    <a:schemeClr val="bg2"/>
+                  </a:outerShdw>
+                </a:effectLst>
+              </a14:hiddenEffects>
             </a:ext>
           </a:extLst>
         </p:spPr>

--- a/Taxi_App Presentation.pptx
+++ b/Taxi_App Presentation.pptx
@@ -18,6 +18,8 @@
     <p:sldId id="268" r:id="rId12"/>
     <p:sldId id="258" r:id="rId13"/>
     <p:sldId id="269" r:id="rId14"/>
+    <p:sldId id="270" r:id="rId15"/>
+    <p:sldId id="271" r:id="rId16"/>
   </p:sldIdLst>
   <p:sldSz cx="9144000" cy="6858000" type="screen4x3"/>
   <p:notesSz cx="6858000" cy="9144000"/>
@@ -300,7 +302,7 @@
           <a:p>
             <a:fld id="{536EE022-91EC-4A3B-B3C5-9F4BBA23B16E}" type="datetimeFigureOut">
               <a:rPr lang="fr-FR" smtClean="0"/>
-              <a:t>20/05/2021</a:t>
+              <a:t>31/05/2021</a:t>
             </a:fld>
             <a:endParaRPr lang="fr-FR"/>
           </a:p>
@@ -470,7 +472,7 @@
           <a:p>
             <a:fld id="{536EE022-91EC-4A3B-B3C5-9F4BBA23B16E}" type="datetimeFigureOut">
               <a:rPr lang="fr-FR" smtClean="0"/>
-              <a:t>20/05/2021</a:t>
+              <a:t>31/05/2021</a:t>
             </a:fld>
             <a:endParaRPr lang="fr-FR"/>
           </a:p>
@@ -650,7 +652,7 @@
           <a:p>
             <a:fld id="{536EE022-91EC-4A3B-B3C5-9F4BBA23B16E}" type="datetimeFigureOut">
               <a:rPr lang="fr-FR" smtClean="0"/>
-              <a:t>20/05/2021</a:t>
+              <a:t>31/05/2021</a:t>
             </a:fld>
             <a:endParaRPr lang="fr-FR"/>
           </a:p>
@@ -820,7 +822,7 @@
           <a:p>
             <a:fld id="{536EE022-91EC-4A3B-B3C5-9F4BBA23B16E}" type="datetimeFigureOut">
               <a:rPr lang="fr-FR" smtClean="0"/>
-              <a:t>20/05/2021</a:t>
+              <a:t>31/05/2021</a:t>
             </a:fld>
             <a:endParaRPr lang="fr-FR"/>
           </a:p>
@@ -1066,7 +1068,7 @@
           <a:p>
             <a:fld id="{536EE022-91EC-4A3B-B3C5-9F4BBA23B16E}" type="datetimeFigureOut">
               <a:rPr lang="fr-FR" smtClean="0"/>
-              <a:t>20/05/2021</a:t>
+              <a:t>31/05/2021</a:t>
             </a:fld>
             <a:endParaRPr lang="fr-FR"/>
           </a:p>
@@ -1354,7 +1356,7 @@
           <a:p>
             <a:fld id="{536EE022-91EC-4A3B-B3C5-9F4BBA23B16E}" type="datetimeFigureOut">
               <a:rPr lang="fr-FR" smtClean="0"/>
-              <a:t>20/05/2021</a:t>
+              <a:t>31/05/2021</a:t>
             </a:fld>
             <a:endParaRPr lang="fr-FR"/>
           </a:p>
@@ -1776,7 +1778,7 @@
           <a:p>
             <a:fld id="{536EE022-91EC-4A3B-B3C5-9F4BBA23B16E}" type="datetimeFigureOut">
               <a:rPr lang="fr-FR" smtClean="0"/>
-              <a:t>20/05/2021</a:t>
+              <a:t>31/05/2021</a:t>
             </a:fld>
             <a:endParaRPr lang="fr-FR"/>
           </a:p>
@@ -1894,7 +1896,7 @@
           <a:p>
             <a:fld id="{536EE022-91EC-4A3B-B3C5-9F4BBA23B16E}" type="datetimeFigureOut">
               <a:rPr lang="fr-FR" smtClean="0"/>
-              <a:t>20/05/2021</a:t>
+              <a:t>31/05/2021</a:t>
             </a:fld>
             <a:endParaRPr lang="fr-FR"/>
           </a:p>
@@ -1989,7 +1991,7 @@
           <a:p>
             <a:fld id="{536EE022-91EC-4A3B-B3C5-9F4BBA23B16E}" type="datetimeFigureOut">
               <a:rPr lang="fr-FR" smtClean="0"/>
-              <a:t>20/05/2021</a:t>
+              <a:t>31/05/2021</a:t>
             </a:fld>
             <a:endParaRPr lang="fr-FR"/>
           </a:p>
@@ -2266,7 +2268,7 @@
           <a:p>
             <a:fld id="{536EE022-91EC-4A3B-B3C5-9F4BBA23B16E}" type="datetimeFigureOut">
               <a:rPr lang="fr-FR" smtClean="0"/>
-              <a:t>20/05/2021</a:t>
+              <a:t>31/05/2021</a:t>
             </a:fld>
             <a:endParaRPr lang="fr-FR"/>
           </a:p>
@@ -2519,7 +2521,7 @@
           <a:p>
             <a:fld id="{536EE022-91EC-4A3B-B3C5-9F4BBA23B16E}" type="datetimeFigureOut">
               <a:rPr lang="fr-FR" smtClean="0"/>
-              <a:t>20/05/2021</a:t>
+              <a:t>31/05/2021</a:t>
             </a:fld>
             <a:endParaRPr lang="fr-FR"/>
           </a:p>
@@ -2732,7 +2734,7 @@
           <a:p>
             <a:fld id="{536EE022-91EC-4A3B-B3C5-9F4BBA23B16E}" type="datetimeFigureOut">
               <a:rPr lang="fr-FR" smtClean="0"/>
-              <a:t>20/05/2021</a:t>
+              <a:t>31/05/2021</a:t>
             </a:fld>
             <a:endParaRPr lang="fr-FR"/>
           </a:p>
@@ -3550,6 +3552,695 @@
     <p:extLst>
       <p:ext uri="{BB962C8B-B14F-4D97-AF65-F5344CB8AC3E}">
         <p14:creationId xmlns:p14="http://schemas.microsoft.com/office/powerpoint/2010/main" val="2258765739"/>
+      </p:ext>
+    </p:extLst>
+  </p:cSld>
+  <p:clrMapOvr>
+    <a:masterClrMapping/>
+  </p:clrMapOvr>
+</p:sld>
+</file>
+
+<file path=ppt/slides/slide14.xml><?xml version="1.0" encoding="utf-8"?>
+<p:sld xmlns:a="http://schemas.openxmlformats.org/drawingml/2006/main" xmlns:r="http://schemas.openxmlformats.org/officeDocument/2006/relationships" xmlns:p="http://schemas.openxmlformats.org/presentationml/2006/main">
+  <p:cSld>
+    <p:spTree>
+      <p:nvGrpSpPr>
+        <p:cNvPr id="1" name=""/>
+        <p:cNvGrpSpPr/>
+        <p:nvPr/>
+      </p:nvGrpSpPr>
+      <p:grpSpPr>
+        <a:xfrm>
+          <a:off x="0" y="0"/>
+          <a:ext cx="0" cy="0"/>
+          <a:chOff x="0" y="0"/>
+          <a:chExt cx="0" cy="0"/>
+        </a:xfrm>
+      </p:grpSpPr>
+      <p:sp>
+        <p:nvSpPr>
+          <p:cNvPr id="2" name="Titre 1"/>
+          <p:cNvSpPr>
+            <a:spLocks noGrp="1"/>
+          </p:cNvSpPr>
+          <p:nvPr>
+            <p:ph type="title"/>
+          </p:nvPr>
+        </p:nvSpPr>
+        <p:spPr/>
+        <p:txBody>
+          <a:bodyPr/>
+          <a:lstStyle/>
+          <a:p>
+            <a:r>
+              <a:rPr lang="fr-FR" dirty="0" smtClean="0"/>
+              <a:t>Pattern M-V-VM</a:t>
+            </a:r>
+            <a:endParaRPr lang="fr-FR" dirty="0"/>
+          </a:p>
+        </p:txBody>
+      </p:sp>
+      <p:sp>
+        <p:nvSpPr>
+          <p:cNvPr id="5" name="Rectangle 4"/>
+          <p:cNvSpPr/>
+          <p:nvPr/>
+        </p:nvSpPr>
+        <p:spPr>
+          <a:xfrm>
+            <a:off x="6372200" y="1412776"/>
+            <a:ext cx="2304256" cy="936104"/>
+          </a:xfrm>
+          <a:prstGeom prst="rect">
+            <a:avLst/>
+          </a:prstGeom>
+        </p:spPr>
+        <p:style>
+          <a:lnRef idx="2">
+            <a:schemeClr val="accent4">
+              <a:shade val="50000"/>
+            </a:schemeClr>
+          </a:lnRef>
+          <a:fillRef idx="1">
+            <a:schemeClr val="accent4"/>
+          </a:fillRef>
+          <a:effectRef idx="0">
+            <a:schemeClr val="accent4"/>
+          </a:effectRef>
+          <a:fontRef idx="minor">
+            <a:schemeClr val="lt1"/>
+          </a:fontRef>
+        </p:style>
+        <p:txBody>
+          <a:bodyPr rtlCol="0" anchor="ctr"/>
+          <a:lstStyle/>
+          <a:p>
+            <a:pPr algn="ctr"/>
+            <a:r>
+              <a:rPr lang="fr-FR" dirty="0" err="1" smtClean="0"/>
+              <a:t>View</a:t>
+            </a:r>
+            <a:endParaRPr lang="fr-FR" dirty="0"/>
+          </a:p>
+        </p:txBody>
+      </p:sp>
+      <p:sp>
+        <p:nvSpPr>
+          <p:cNvPr id="6" name="Rectangle 5"/>
+          <p:cNvSpPr/>
+          <p:nvPr/>
+        </p:nvSpPr>
+        <p:spPr>
+          <a:xfrm>
+            <a:off x="251520" y="3789040"/>
+            <a:ext cx="2304256" cy="936104"/>
+          </a:xfrm>
+          <a:prstGeom prst="rect">
+            <a:avLst/>
+          </a:prstGeom>
+        </p:spPr>
+        <p:style>
+          <a:lnRef idx="2">
+            <a:schemeClr val="accent6">
+              <a:shade val="50000"/>
+            </a:schemeClr>
+          </a:lnRef>
+          <a:fillRef idx="1">
+            <a:schemeClr val="accent6"/>
+          </a:fillRef>
+          <a:effectRef idx="0">
+            <a:schemeClr val="accent6"/>
+          </a:effectRef>
+          <a:fontRef idx="minor">
+            <a:schemeClr val="lt1"/>
+          </a:fontRef>
+        </p:style>
+        <p:txBody>
+          <a:bodyPr rtlCol="0" anchor="ctr"/>
+          <a:lstStyle/>
+          <a:p>
+            <a:pPr algn="ctr"/>
+            <a:r>
+              <a:rPr lang="fr-FR" dirty="0" smtClean="0"/>
+              <a:t>Web service/Client</a:t>
+            </a:r>
+            <a:endParaRPr lang="fr-FR" dirty="0"/>
+          </a:p>
+        </p:txBody>
+      </p:sp>
+      <p:sp>
+        <p:nvSpPr>
+          <p:cNvPr id="7" name="Nuage 6"/>
+          <p:cNvSpPr/>
+          <p:nvPr/>
+        </p:nvSpPr>
+        <p:spPr>
+          <a:xfrm>
+            <a:off x="430712" y="5355214"/>
+            <a:ext cx="1728192" cy="900100"/>
+          </a:xfrm>
+          <a:prstGeom prst="cloud">
+            <a:avLst/>
+          </a:prstGeom>
+        </p:spPr>
+        <p:style>
+          <a:lnRef idx="1">
+            <a:schemeClr val="dk1"/>
+          </a:lnRef>
+          <a:fillRef idx="2">
+            <a:schemeClr val="dk1"/>
+          </a:fillRef>
+          <a:effectRef idx="1">
+            <a:schemeClr val="dk1"/>
+          </a:effectRef>
+          <a:fontRef idx="minor">
+            <a:schemeClr val="dk1"/>
+          </a:fontRef>
+        </p:style>
+        <p:txBody>
+          <a:bodyPr rtlCol="0" anchor="ctr"/>
+          <a:lstStyle/>
+          <a:p>
+            <a:pPr algn="ctr"/>
+            <a:r>
+              <a:rPr lang="fr-FR" dirty="0" smtClean="0"/>
+              <a:t>Web API</a:t>
+            </a:r>
+            <a:endParaRPr lang="fr-FR" dirty="0"/>
+          </a:p>
+        </p:txBody>
+      </p:sp>
+      <p:sp>
+        <p:nvSpPr>
+          <p:cNvPr id="8" name="Rectangle 7"/>
+          <p:cNvSpPr/>
+          <p:nvPr/>
+        </p:nvSpPr>
+        <p:spPr>
+          <a:xfrm>
+            <a:off x="3347864" y="2605802"/>
+            <a:ext cx="2304256" cy="936104"/>
+          </a:xfrm>
+          <a:prstGeom prst="rect">
+            <a:avLst/>
+          </a:prstGeom>
+        </p:spPr>
+        <p:style>
+          <a:lnRef idx="2">
+            <a:schemeClr val="accent1">
+              <a:shade val="50000"/>
+            </a:schemeClr>
+          </a:lnRef>
+          <a:fillRef idx="1">
+            <a:schemeClr val="accent1"/>
+          </a:fillRef>
+          <a:effectRef idx="0">
+            <a:schemeClr val="accent1"/>
+          </a:effectRef>
+          <a:fontRef idx="minor">
+            <a:schemeClr val="lt1"/>
+          </a:fontRef>
+        </p:style>
+        <p:txBody>
+          <a:bodyPr rtlCol="0" anchor="ctr"/>
+          <a:lstStyle/>
+          <a:p>
+            <a:pPr algn="ctr"/>
+            <a:r>
+              <a:rPr lang="fr-FR" dirty="0" err="1" smtClean="0"/>
+              <a:t>View</a:t>
+            </a:r>
+            <a:r>
+              <a:rPr lang="fr-FR" dirty="0" smtClean="0"/>
+              <a:t> Model</a:t>
+            </a:r>
+            <a:endParaRPr lang="fr-FR" dirty="0"/>
+          </a:p>
+        </p:txBody>
+      </p:sp>
+      <p:sp>
+        <p:nvSpPr>
+          <p:cNvPr id="9" name="Rectangle 8"/>
+          <p:cNvSpPr/>
+          <p:nvPr/>
+        </p:nvSpPr>
+        <p:spPr>
+          <a:xfrm>
+            <a:off x="6344156" y="3933056"/>
+            <a:ext cx="2304256" cy="936104"/>
+          </a:xfrm>
+          <a:prstGeom prst="rect">
+            <a:avLst/>
+          </a:prstGeom>
+        </p:spPr>
+        <p:style>
+          <a:lnRef idx="2">
+            <a:schemeClr val="accent1">
+              <a:shade val="50000"/>
+            </a:schemeClr>
+          </a:lnRef>
+          <a:fillRef idx="1">
+            <a:schemeClr val="accent1"/>
+          </a:fillRef>
+          <a:effectRef idx="0">
+            <a:schemeClr val="accent1"/>
+          </a:effectRef>
+          <a:fontRef idx="minor">
+            <a:schemeClr val="lt1"/>
+          </a:fontRef>
+        </p:style>
+        <p:txBody>
+          <a:bodyPr rtlCol="0" anchor="ctr"/>
+          <a:lstStyle/>
+          <a:p>
+            <a:pPr algn="ctr"/>
+            <a:r>
+              <a:rPr lang="fr-FR" dirty="0" smtClean="0"/>
+              <a:t>Model</a:t>
+            </a:r>
+            <a:endParaRPr lang="fr-FR" dirty="0"/>
+          </a:p>
+        </p:txBody>
+      </p:sp>
+      <p:sp>
+        <p:nvSpPr>
+          <p:cNvPr id="10" name="Cylindre 9"/>
+          <p:cNvSpPr/>
+          <p:nvPr/>
+        </p:nvSpPr>
+        <p:spPr>
+          <a:xfrm>
+            <a:off x="2713181" y="5229200"/>
+            <a:ext cx="936104" cy="1440160"/>
+          </a:xfrm>
+          <a:prstGeom prst="can">
+            <a:avLst/>
+          </a:prstGeom>
+        </p:spPr>
+        <p:style>
+          <a:lnRef idx="2">
+            <a:schemeClr val="accent3">
+              <a:shade val="50000"/>
+            </a:schemeClr>
+          </a:lnRef>
+          <a:fillRef idx="1">
+            <a:schemeClr val="accent3"/>
+          </a:fillRef>
+          <a:effectRef idx="0">
+            <a:schemeClr val="accent3"/>
+          </a:effectRef>
+          <a:fontRef idx="minor">
+            <a:schemeClr val="lt1"/>
+          </a:fontRef>
+        </p:style>
+        <p:txBody>
+          <a:bodyPr rtlCol="0" anchor="ctr"/>
+          <a:lstStyle/>
+          <a:p>
+            <a:pPr algn="ctr"/>
+            <a:r>
+              <a:rPr lang="fr-FR" dirty="0" smtClean="0"/>
+              <a:t>DB</a:t>
+            </a:r>
+            <a:endParaRPr lang="fr-FR" dirty="0"/>
+          </a:p>
+        </p:txBody>
+      </p:sp>
+    </p:spTree>
+    <p:extLst>
+      <p:ext uri="{BB962C8B-B14F-4D97-AF65-F5344CB8AC3E}">
+        <p14:creationId xmlns:p14="http://schemas.microsoft.com/office/powerpoint/2010/main" val="265654496"/>
+      </p:ext>
+    </p:extLst>
+  </p:cSld>
+  <p:clrMapOvr>
+    <a:masterClrMapping/>
+  </p:clrMapOvr>
+</p:sld>
+</file>
+
+<file path=ppt/slides/slide15.xml><?xml version="1.0" encoding="utf-8"?>
+<p:sld xmlns:a="http://schemas.openxmlformats.org/drawingml/2006/main" xmlns:r="http://schemas.openxmlformats.org/officeDocument/2006/relationships" xmlns:p="http://schemas.openxmlformats.org/presentationml/2006/main">
+  <p:cSld>
+    <p:spTree>
+      <p:nvGrpSpPr>
+        <p:cNvPr id="1" name=""/>
+        <p:cNvGrpSpPr/>
+        <p:nvPr/>
+      </p:nvGrpSpPr>
+      <p:grpSpPr>
+        <a:xfrm>
+          <a:off x="0" y="0"/>
+          <a:ext cx="0" cy="0"/>
+          <a:chOff x="0" y="0"/>
+          <a:chExt cx="0" cy="0"/>
+        </a:xfrm>
+      </p:grpSpPr>
+      <p:sp>
+        <p:nvSpPr>
+          <p:cNvPr id="4" name="Rectangle 3"/>
+          <p:cNvSpPr/>
+          <p:nvPr/>
+        </p:nvSpPr>
+        <p:spPr>
+          <a:xfrm>
+            <a:off x="3317472" y="404664"/>
+            <a:ext cx="2160240" cy="576064"/>
+          </a:xfrm>
+          <a:prstGeom prst="rect">
+            <a:avLst/>
+          </a:prstGeom>
+        </p:spPr>
+        <p:style>
+          <a:lnRef idx="1">
+            <a:schemeClr val="accent3"/>
+          </a:lnRef>
+          <a:fillRef idx="2">
+            <a:schemeClr val="accent3"/>
+          </a:fillRef>
+          <a:effectRef idx="1">
+            <a:schemeClr val="accent3"/>
+          </a:effectRef>
+          <a:fontRef idx="minor">
+            <a:schemeClr val="dk1"/>
+          </a:fontRef>
+        </p:style>
+        <p:txBody>
+          <a:bodyPr rtlCol="0" anchor="ctr"/>
+          <a:lstStyle/>
+          <a:p>
+            <a:pPr algn="ctr"/>
+            <a:r>
+              <a:rPr lang="fr-FR" sz="1100" dirty="0" smtClean="0"/>
+              <a:t>Authentification/Enregistrement</a:t>
+            </a:r>
+            <a:endParaRPr lang="fr-FR" sz="1100" dirty="0"/>
+          </a:p>
+        </p:txBody>
+      </p:sp>
+      <p:sp>
+        <p:nvSpPr>
+          <p:cNvPr id="5" name="Rectangle 4"/>
+          <p:cNvSpPr/>
+          <p:nvPr/>
+        </p:nvSpPr>
+        <p:spPr>
+          <a:xfrm>
+            <a:off x="3317472" y="1196752"/>
+            <a:ext cx="2160240" cy="576064"/>
+          </a:xfrm>
+          <a:prstGeom prst="rect">
+            <a:avLst/>
+          </a:prstGeom>
+        </p:spPr>
+        <p:style>
+          <a:lnRef idx="1">
+            <a:schemeClr val="accent3"/>
+          </a:lnRef>
+          <a:fillRef idx="2">
+            <a:schemeClr val="accent3"/>
+          </a:fillRef>
+          <a:effectRef idx="1">
+            <a:schemeClr val="accent3"/>
+          </a:effectRef>
+          <a:fontRef idx="minor">
+            <a:schemeClr val="dk1"/>
+          </a:fontRef>
+        </p:style>
+        <p:txBody>
+          <a:bodyPr rtlCol="0" anchor="ctr"/>
+          <a:lstStyle/>
+          <a:p>
+            <a:pPr algn="ctr"/>
+            <a:r>
+              <a:rPr lang="fr-FR" sz="1100" dirty="0" smtClean="0"/>
+              <a:t>Affiche Google </a:t>
+            </a:r>
+            <a:r>
+              <a:rPr lang="fr-FR" sz="1100" dirty="0" err="1" smtClean="0"/>
+              <a:t>Map</a:t>
+            </a:r>
+            <a:endParaRPr lang="fr-FR" sz="1100" dirty="0"/>
+          </a:p>
+        </p:txBody>
+      </p:sp>
+      <p:sp>
+        <p:nvSpPr>
+          <p:cNvPr id="6" name="Rectangle 5"/>
+          <p:cNvSpPr/>
+          <p:nvPr/>
+        </p:nvSpPr>
+        <p:spPr>
+          <a:xfrm>
+            <a:off x="3317472" y="2132856"/>
+            <a:ext cx="2160240" cy="576064"/>
+          </a:xfrm>
+          <a:prstGeom prst="rect">
+            <a:avLst/>
+          </a:prstGeom>
+        </p:spPr>
+        <p:style>
+          <a:lnRef idx="1">
+            <a:schemeClr val="accent3"/>
+          </a:lnRef>
+          <a:fillRef idx="2">
+            <a:schemeClr val="accent3"/>
+          </a:fillRef>
+          <a:effectRef idx="1">
+            <a:schemeClr val="accent3"/>
+          </a:effectRef>
+          <a:fontRef idx="minor">
+            <a:schemeClr val="dk1"/>
+          </a:fontRef>
+        </p:style>
+        <p:txBody>
+          <a:bodyPr rtlCol="0" anchor="ctr"/>
+          <a:lstStyle/>
+          <a:p>
+            <a:pPr algn="ctr"/>
+            <a:r>
+              <a:rPr lang="fr-FR" sz="1100" dirty="0" smtClean="0"/>
+              <a:t>Affiché Position Actuelle</a:t>
+            </a:r>
+            <a:endParaRPr lang="fr-FR" sz="1100" dirty="0"/>
+          </a:p>
+        </p:txBody>
+      </p:sp>
+      <p:sp>
+        <p:nvSpPr>
+          <p:cNvPr id="7" name="Rectangle 6"/>
+          <p:cNvSpPr/>
+          <p:nvPr/>
+        </p:nvSpPr>
+        <p:spPr>
+          <a:xfrm>
+            <a:off x="1259632" y="3212976"/>
+            <a:ext cx="2160240" cy="576064"/>
+          </a:xfrm>
+          <a:prstGeom prst="rect">
+            <a:avLst/>
+          </a:prstGeom>
+        </p:spPr>
+        <p:style>
+          <a:lnRef idx="1">
+            <a:schemeClr val="accent3"/>
+          </a:lnRef>
+          <a:fillRef idx="2">
+            <a:schemeClr val="accent3"/>
+          </a:fillRef>
+          <a:effectRef idx="1">
+            <a:schemeClr val="accent3"/>
+          </a:effectRef>
+          <a:fontRef idx="minor">
+            <a:schemeClr val="dk1"/>
+          </a:fontRef>
+        </p:style>
+        <p:txBody>
+          <a:bodyPr rtlCol="0" anchor="ctr"/>
+          <a:lstStyle/>
+          <a:p>
+            <a:pPr algn="ctr"/>
+            <a:r>
+              <a:rPr lang="fr-FR" sz="1100" dirty="0" smtClean="0"/>
+              <a:t>Affiché Proposition de déplacement</a:t>
+            </a:r>
+            <a:endParaRPr lang="fr-FR" sz="1100" dirty="0"/>
+          </a:p>
+        </p:txBody>
+      </p:sp>
+      <p:sp>
+        <p:nvSpPr>
+          <p:cNvPr id="8" name="Rectangle 7"/>
+          <p:cNvSpPr/>
+          <p:nvPr/>
+        </p:nvSpPr>
+        <p:spPr>
+          <a:xfrm>
+            <a:off x="1259632" y="4077072"/>
+            <a:ext cx="2160240" cy="576064"/>
+          </a:xfrm>
+          <a:prstGeom prst="rect">
+            <a:avLst/>
+          </a:prstGeom>
+        </p:spPr>
+        <p:style>
+          <a:lnRef idx="1">
+            <a:schemeClr val="accent3"/>
+          </a:lnRef>
+          <a:fillRef idx="2">
+            <a:schemeClr val="accent3"/>
+          </a:fillRef>
+          <a:effectRef idx="1">
+            <a:schemeClr val="accent3"/>
+          </a:effectRef>
+          <a:fontRef idx="minor">
+            <a:schemeClr val="dk1"/>
+          </a:fontRef>
+        </p:style>
+        <p:txBody>
+          <a:bodyPr rtlCol="0" anchor="ctr"/>
+          <a:lstStyle/>
+          <a:p>
+            <a:pPr algn="ctr"/>
+            <a:r>
+              <a:rPr lang="fr-FR" sz="1100" dirty="0" smtClean="0"/>
+              <a:t>Indiqué le Prix / Distance de déplacement</a:t>
+            </a:r>
+            <a:endParaRPr lang="fr-FR" sz="1100" dirty="0"/>
+          </a:p>
+        </p:txBody>
+      </p:sp>
+      <p:sp>
+        <p:nvSpPr>
+          <p:cNvPr id="9" name="Rectangle 8"/>
+          <p:cNvSpPr/>
+          <p:nvPr/>
+        </p:nvSpPr>
+        <p:spPr>
+          <a:xfrm>
+            <a:off x="1157232" y="4941168"/>
+            <a:ext cx="2160240" cy="576064"/>
+          </a:xfrm>
+          <a:prstGeom prst="rect">
+            <a:avLst/>
+          </a:prstGeom>
+        </p:spPr>
+        <p:style>
+          <a:lnRef idx="1">
+            <a:schemeClr val="accent3"/>
+          </a:lnRef>
+          <a:fillRef idx="2">
+            <a:schemeClr val="accent3"/>
+          </a:fillRef>
+          <a:effectRef idx="1">
+            <a:schemeClr val="accent3"/>
+          </a:effectRef>
+          <a:fontRef idx="minor">
+            <a:schemeClr val="dk1"/>
+          </a:fontRef>
+        </p:style>
+        <p:txBody>
+          <a:bodyPr rtlCol="0" anchor="ctr"/>
+          <a:lstStyle/>
+          <a:p>
+            <a:pPr algn="ctr"/>
+            <a:r>
+              <a:rPr lang="fr-FR" sz="1100" dirty="0" smtClean="0"/>
+              <a:t>Affiché disponibilité Taxieur à proximité</a:t>
+            </a:r>
+            <a:endParaRPr lang="fr-FR" sz="1100" dirty="0"/>
+          </a:p>
+        </p:txBody>
+      </p:sp>
+      <p:sp>
+        <p:nvSpPr>
+          <p:cNvPr id="10" name="Rectangle 9"/>
+          <p:cNvSpPr/>
+          <p:nvPr/>
+        </p:nvSpPr>
+        <p:spPr>
+          <a:xfrm>
+            <a:off x="1157232" y="5947456"/>
+            <a:ext cx="2160240" cy="576064"/>
+          </a:xfrm>
+          <a:prstGeom prst="rect">
+            <a:avLst/>
+          </a:prstGeom>
+        </p:spPr>
+        <p:style>
+          <a:lnRef idx="1">
+            <a:schemeClr val="accent3"/>
+          </a:lnRef>
+          <a:fillRef idx="2">
+            <a:schemeClr val="accent3"/>
+          </a:fillRef>
+          <a:effectRef idx="1">
+            <a:schemeClr val="accent3"/>
+          </a:effectRef>
+          <a:fontRef idx="minor">
+            <a:schemeClr val="dk1"/>
+          </a:fontRef>
+        </p:style>
+        <p:txBody>
+          <a:bodyPr rtlCol="0" anchor="ctr"/>
+          <a:lstStyle/>
+          <a:p>
+            <a:pPr algn="ctr"/>
+            <a:r>
+              <a:rPr lang="fr-FR" sz="1100" dirty="0" smtClean="0"/>
+              <a:t>Demande de réservation </a:t>
+            </a:r>
+            <a:endParaRPr lang="fr-FR" sz="1100" dirty="0"/>
+          </a:p>
+        </p:txBody>
+      </p:sp>
+      <p:sp>
+        <p:nvSpPr>
+          <p:cNvPr id="11" name="Rectangle 10"/>
+          <p:cNvSpPr/>
+          <p:nvPr/>
+        </p:nvSpPr>
+        <p:spPr>
+          <a:xfrm>
+            <a:off x="4499992" y="3140968"/>
+            <a:ext cx="2160240" cy="576064"/>
+          </a:xfrm>
+          <a:prstGeom prst="rect">
+            <a:avLst/>
+          </a:prstGeom>
+        </p:spPr>
+        <p:style>
+          <a:lnRef idx="1">
+            <a:schemeClr val="accent3"/>
+          </a:lnRef>
+          <a:fillRef idx="2">
+            <a:schemeClr val="accent3"/>
+          </a:fillRef>
+          <a:effectRef idx="1">
+            <a:schemeClr val="accent3"/>
+          </a:effectRef>
+          <a:fontRef idx="minor">
+            <a:schemeClr val="dk1"/>
+          </a:fontRef>
+        </p:style>
+        <p:txBody>
+          <a:bodyPr rtlCol="0" anchor="ctr"/>
+          <a:lstStyle/>
+          <a:p>
+            <a:pPr algn="ctr"/>
+            <a:r>
+              <a:rPr lang="fr-FR" sz="1100" dirty="0" smtClean="0"/>
+              <a:t>Déclaré disponibilité  pour missions</a:t>
+            </a:r>
+            <a:endParaRPr lang="fr-FR" sz="1100" dirty="0"/>
+          </a:p>
+        </p:txBody>
+      </p:sp>
+    </p:spTree>
+    <p:extLst>
+      <p:ext uri="{BB962C8B-B14F-4D97-AF65-F5344CB8AC3E}">
+        <p14:creationId xmlns:p14="http://schemas.microsoft.com/office/powerpoint/2010/main" val="3498540189"/>
       </p:ext>
     </p:extLst>
   </p:cSld>

--- a/Taxi_App Presentation.pptx
+++ b/Taxi_App Presentation.pptx
@@ -302,7 +302,7 @@
           <a:p>
             <a:fld id="{536EE022-91EC-4A3B-B3C5-9F4BBA23B16E}" type="datetimeFigureOut">
               <a:rPr lang="fr-FR" smtClean="0"/>
-              <a:t>31/05/2021</a:t>
+              <a:t>02/06/2021</a:t>
             </a:fld>
             <a:endParaRPr lang="fr-FR"/>
           </a:p>
@@ -472,7 +472,7 @@
           <a:p>
             <a:fld id="{536EE022-91EC-4A3B-B3C5-9F4BBA23B16E}" type="datetimeFigureOut">
               <a:rPr lang="fr-FR" smtClean="0"/>
-              <a:t>31/05/2021</a:t>
+              <a:t>02/06/2021</a:t>
             </a:fld>
             <a:endParaRPr lang="fr-FR"/>
           </a:p>
@@ -652,7 +652,7 @@
           <a:p>
             <a:fld id="{536EE022-91EC-4A3B-B3C5-9F4BBA23B16E}" type="datetimeFigureOut">
               <a:rPr lang="fr-FR" smtClean="0"/>
-              <a:t>31/05/2021</a:t>
+              <a:t>02/06/2021</a:t>
             </a:fld>
             <a:endParaRPr lang="fr-FR"/>
           </a:p>
@@ -822,7 +822,7 @@
           <a:p>
             <a:fld id="{536EE022-91EC-4A3B-B3C5-9F4BBA23B16E}" type="datetimeFigureOut">
               <a:rPr lang="fr-FR" smtClean="0"/>
-              <a:t>31/05/2021</a:t>
+              <a:t>02/06/2021</a:t>
             </a:fld>
             <a:endParaRPr lang="fr-FR"/>
           </a:p>
@@ -1068,7 +1068,7 @@
           <a:p>
             <a:fld id="{536EE022-91EC-4A3B-B3C5-9F4BBA23B16E}" type="datetimeFigureOut">
               <a:rPr lang="fr-FR" smtClean="0"/>
-              <a:t>31/05/2021</a:t>
+              <a:t>02/06/2021</a:t>
             </a:fld>
             <a:endParaRPr lang="fr-FR"/>
           </a:p>
@@ -1356,7 +1356,7 @@
           <a:p>
             <a:fld id="{536EE022-91EC-4A3B-B3C5-9F4BBA23B16E}" type="datetimeFigureOut">
               <a:rPr lang="fr-FR" smtClean="0"/>
-              <a:t>31/05/2021</a:t>
+              <a:t>02/06/2021</a:t>
             </a:fld>
             <a:endParaRPr lang="fr-FR"/>
           </a:p>
@@ -1778,7 +1778,7 @@
           <a:p>
             <a:fld id="{536EE022-91EC-4A3B-B3C5-9F4BBA23B16E}" type="datetimeFigureOut">
               <a:rPr lang="fr-FR" smtClean="0"/>
-              <a:t>31/05/2021</a:t>
+              <a:t>02/06/2021</a:t>
             </a:fld>
             <a:endParaRPr lang="fr-FR"/>
           </a:p>
@@ -1896,7 +1896,7 @@
           <a:p>
             <a:fld id="{536EE022-91EC-4A3B-B3C5-9F4BBA23B16E}" type="datetimeFigureOut">
               <a:rPr lang="fr-FR" smtClean="0"/>
-              <a:t>31/05/2021</a:t>
+              <a:t>02/06/2021</a:t>
             </a:fld>
             <a:endParaRPr lang="fr-FR"/>
           </a:p>
@@ -1991,7 +1991,7 @@
           <a:p>
             <a:fld id="{536EE022-91EC-4A3B-B3C5-9F4BBA23B16E}" type="datetimeFigureOut">
               <a:rPr lang="fr-FR" smtClean="0"/>
-              <a:t>31/05/2021</a:t>
+              <a:t>02/06/2021</a:t>
             </a:fld>
             <a:endParaRPr lang="fr-FR"/>
           </a:p>
@@ -2268,7 +2268,7 @@
           <a:p>
             <a:fld id="{536EE022-91EC-4A3B-B3C5-9F4BBA23B16E}" type="datetimeFigureOut">
               <a:rPr lang="fr-FR" smtClean="0"/>
-              <a:t>31/05/2021</a:t>
+              <a:t>02/06/2021</a:t>
             </a:fld>
             <a:endParaRPr lang="fr-FR"/>
           </a:p>
@@ -2521,7 +2521,7 @@
           <a:p>
             <a:fld id="{536EE022-91EC-4A3B-B3C5-9F4BBA23B16E}" type="datetimeFigureOut">
               <a:rPr lang="fr-FR" smtClean="0"/>
-              <a:t>31/05/2021</a:t>
+              <a:t>02/06/2021</a:t>
             </a:fld>
             <a:endParaRPr lang="fr-FR"/>
           </a:p>
@@ -2734,7 +2734,7 @@
           <a:p>
             <a:fld id="{536EE022-91EC-4A3B-B3C5-9F4BBA23B16E}" type="datetimeFigureOut">
               <a:rPr lang="fr-FR" smtClean="0"/>
-              <a:t>31/05/2021</a:t>
+              <a:t>02/06/2021</a:t>
             </a:fld>
             <a:endParaRPr lang="fr-FR"/>
           </a:p>
@@ -3897,346 +3897,361 @@
           <a:chExt cx="0" cy="0"/>
         </a:xfrm>
       </p:grpSpPr>
-      <p:sp>
-        <p:nvSpPr>
-          <p:cNvPr id="4" name="Rectangle 3"/>
-          <p:cNvSpPr/>
+      <p:grpSp>
+        <p:nvGrpSpPr>
+          <p:cNvPr id="2" name="Groupe 1"/>
+          <p:cNvGrpSpPr/>
           <p:nvPr/>
-        </p:nvSpPr>
-        <p:spPr>
+        </p:nvGrpSpPr>
+        <p:grpSpPr>
           <a:xfrm>
-            <a:off x="3317472" y="404664"/>
-            <a:ext cx="2160240" cy="576064"/>
+            <a:off x="1125386" y="369572"/>
+            <a:ext cx="5503000" cy="6118856"/>
+            <a:chOff x="1157232" y="404664"/>
+            <a:chExt cx="5503000" cy="6118856"/>
           </a:xfrm>
-          <a:prstGeom prst="rect">
-            <a:avLst/>
-          </a:prstGeom>
-        </p:spPr>
-        <p:style>
-          <a:lnRef idx="1">
-            <a:schemeClr val="accent3"/>
-          </a:lnRef>
-          <a:fillRef idx="2">
-            <a:schemeClr val="accent3"/>
-          </a:fillRef>
-          <a:effectRef idx="1">
-            <a:schemeClr val="accent3"/>
-          </a:effectRef>
-          <a:fontRef idx="minor">
-            <a:schemeClr val="dk1"/>
-          </a:fontRef>
-        </p:style>
-        <p:txBody>
-          <a:bodyPr rtlCol="0" anchor="ctr"/>
-          <a:lstStyle/>
-          <a:p>
-            <a:pPr algn="ctr"/>
-            <a:r>
-              <a:rPr lang="fr-FR" sz="1100" dirty="0" smtClean="0"/>
-              <a:t>Authentification/Enregistrement</a:t>
-            </a:r>
-            <a:endParaRPr lang="fr-FR" sz="1100" dirty="0"/>
-          </a:p>
-        </p:txBody>
-      </p:sp>
-      <p:sp>
-        <p:nvSpPr>
-          <p:cNvPr id="5" name="Rectangle 4"/>
-          <p:cNvSpPr/>
-          <p:nvPr/>
-        </p:nvSpPr>
-        <p:spPr>
-          <a:xfrm>
-            <a:off x="3317472" y="1196752"/>
-            <a:ext cx="2160240" cy="576064"/>
-          </a:xfrm>
-          <a:prstGeom prst="rect">
-            <a:avLst/>
-          </a:prstGeom>
-        </p:spPr>
-        <p:style>
-          <a:lnRef idx="1">
-            <a:schemeClr val="accent3"/>
-          </a:lnRef>
-          <a:fillRef idx="2">
-            <a:schemeClr val="accent3"/>
-          </a:fillRef>
-          <a:effectRef idx="1">
-            <a:schemeClr val="accent3"/>
-          </a:effectRef>
-          <a:fontRef idx="minor">
-            <a:schemeClr val="dk1"/>
-          </a:fontRef>
-        </p:style>
-        <p:txBody>
-          <a:bodyPr rtlCol="0" anchor="ctr"/>
-          <a:lstStyle/>
-          <a:p>
-            <a:pPr algn="ctr"/>
-            <a:r>
-              <a:rPr lang="fr-FR" sz="1100" dirty="0" smtClean="0"/>
-              <a:t>Affiche Google </a:t>
-            </a:r>
-            <a:r>
-              <a:rPr lang="fr-FR" sz="1100" dirty="0" err="1" smtClean="0"/>
-              <a:t>Map</a:t>
-            </a:r>
-            <a:endParaRPr lang="fr-FR" sz="1100" dirty="0"/>
-          </a:p>
-        </p:txBody>
-      </p:sp>
-      <p:sp>
-        <p:nvSpPr>
-          <p:cNvPr id="6" name="Rectangle 5"/>
-          <p:cNvSpPr/>
-          <p:nvPr/>
-        </p:nvSpPr>
-        <p:spPr>
-          <a:xfrm>
-            <a:off x="3317472" y="2132856"/>
-            <a:ext cx="2160240" cy="576064"/>
-          </a:xfrm>
-          <a:prstGeom prst="rect">
-            <a:avLst/>
-          </a:prstGeom>
-        </p:spPr>
-        <p:style>
-          <a:lnRef idx="1">
-            <a:schemeClr val="accent3"/>
-          </a:lnRef>
-          <a:fillRef idx="2">
-            <a:schemeClr val="accent3"/>
-          </a:fillRef>
-          <a:effectRef idx="1">
-            <a:schemeClr val="accent3"/>
-          </a:effectRef>
-          <a:fontRef idx="minor">
-            <a:schemeClr val="dk1"/>
-          </a:fontRef>
-        </p:style>
-        <p:txBody>
-          <a:bodyPr rtlCol="0" anchor="ctr"/>
-          <a:lstStyle/>
-          <a:p>
-            <a:pPr algn="ctr"/>
-            <a:r>
-              <a:rPr lang="fr-FR" sz="1100" dirty="0" smtClean="0"/>
-              <a:t>Affiché Position Actuelle</a:t>
-            </a:r>
-            <a:endParaRPr lang="fr-FR" sz="1100" dirty="0"/>
-          </a:p>
-        </p:txBody>
-      </p:sp>
-      <p:sp>
-        <p:nvSpPr>
-          <p:cNvPr id="7" name="Rectangle 6"/>
-          <p:cNvSpPr/>
-          <p:nvPr/>
-        </p:nvSpPr>
-        <p:spPr>
-          <a:xfrm>
-            <a:off x="1259632" y="3212976"/>
-            <a:ext cx="2160240" cy="576064"/>
-          </a:xfrm>
-          <a:prstGeom prst="rect">
-            <a:avLst/>
-          </a:prstGeom>
-        </p:spPr>
-        <p:style>
-          <a:lnRef idx="1">
-            <a:schemeClr val="accent3"/>
-          </a:lnRef>
-          <a:fillRef idx="2">
-            <a:schemeClr val="accent3"/>
-          </a:fillRef>
-          <a:effectRef idx="1">
-            <a:schemeClr val="accent3"/>
-          </a:effectRef>
-          <a:fontRef idx="minor">
-            <a:schemeClr val="dk1"/>
-          </a:fontRef>
-        </p:style>
-        <p:txBody>
-          <a:bodyPr rtlCol="0" anchor="ctr"/>
-          <a:lstStyle/>
-          <a:p>
-            <a:pPr algn="ctr"/>
-            <a:r>
-              <a:rPr lang="fr-FR" sz="1100" dirty="0" smtClean="0"/>
-              <a:t>Affiché Proposition de déplacement</a:t>
-            </a:r>
-            <a:endParaRPr lang="fr-FR" sz="1100" dirty="0"/>
-          </a:p>
-        </p:txBody>
-      </p:sp>
-      <p:sp>
-        <p:nvSpPr>
-          <p:cNvPr id="8" name="Rectangle 7"/>
-          <p:cNvSpPr/>
-          <p:nvPr/>
-        </p:nvSpPr>
-        <p:spPr>
-          <a:xfrm>
-            <a:off x="1259632" y="4077072"/>
-            <a:ext cx="2160240" cy="576064"/>
-          </a:xfrm>
-          <a:prstGeom prst="rect">
-            <a:avLst/>
-          </a:prstGeom>
-        </p:spPr>
-        <p:style>
-          <a:lnRef idx="1">
-            <a:schemeClr val="accent3"/>
-          </a:lnRef>
-          <a:fillRef idx="2">
-            <a:schemeClr val="accent3"/>
-          </a:fillRef>
-          <a:effectRef idx="1">
-            <a:schemeClr val="accent3"/>
-          </a:effectRef>
-          <a:fontRef idx="minor">
-            <a:schemeClr val="dk1"/>
-          </a:fontRef>
-        </p:style>
-        <p:txBody>
-          <a:bodyPr rtlCol="0" anchor="ctr"/>
-          <a:lstStyle/>
-          <a:p>
-            <a:pPr algn="ctr"/>
-            <a:r>
-              <a:rPr lang="fr-FR" sz="1100" dirty="0" smtClean="0"/>
-              <a:t>Indiqué le Prix / Distance de déplacement</a:t>
-            </a:r>
-            <a:endParaRPr lang="fr-FR" sz="1100" dirty="0"/>
-          </a:p>
-        </p:txBody>
-      </p:sp>
-      <p:sp>
-        <p:nvSpPr>
-          <p:cNvPr id="9" name="Rectangle 8"/>
-          <p:cNvSpPr/>
-          <p:nvPr/>
-        </p:nvSpPr>
-        <p:spPr>
-          <a:xfrm>
-            <a:off x="1157232" y="4941168"/>
-            <a:ext cx="2160240" cy="576064"/>
-          </a:xfrm>
-          <a:prstGeom prst="rect">
-            <a:avLst/>
-          </a:prstGeom>
-        </p:spPr>
-        <p:style>
-          <a:lnRef idx="1">
-            <a:schemeClr val="accent3"/>
-          </a:lnRef>
-          <a:fillRef idx="2">
-            <a:schemeClr val="accent3"/>
-          </a:fillRef>
-          <a:effectRef idx="1">
-            <a:schemeClr val="accent3"/>
-          </a:effectRef>
-          <a:fontRef idx="minor">
-            <a:schemeClr val="dk1"/>
-          </a:fontRef>
-        </p:style>
-        <p:txBody>
-          <a:bodyPr rtlCol="0" anchor="ctr"/>
-          <a:lstStyle/>
-          <a:p>
-            <a:pPr algn="ctr"/>
-            <a:r>
-              <a:rPr lang="fr-FR" sz="1100" dirty="0" smtClean="0"/>
-              <a:t>Affiché disponibilité Taxieur à proximité</a:t>
-            </a:r>
-            <a:endParaRPr lang="fr-FR" sz="1100" dirty="0"/>
-          </a:p>
-        </p:txBody>
-      </p:sp>
-      <p:sp>
-        <p:nvSpPr>
-          <p:cNvPr id="10" name="Rectangle 9"/>
-          <p:cNvSpPr/>
-          <p:nvPr/>
-        </p:nvSpPr>
-        <p:spPr>
-          <a:xfrm>
-            <a:off x="1157232" y="5947456"/>
-            <a:ext cx="2160240" cy="576064"/>
-          </a:xfrm>
-          <a:prstGeom prst="rect">
-            <a:avLst/>
-          </a:prstGeom>
-        </p:spPr>
-        <p:style>
-          <a:lnRef idx="1">
-            <a:schemeClr val="accent3"/>
-          </a:lnRef>
-          <a:fillRef idx="2">
-            <a:schemeClr val="accent3"/>
-          </a:fillRef>
-          <a:effectRef idx="1">
-            <a:schemeClr val="accent3"/>
-          </a:effectRef>
-          <a:fontRef idx="minor">
-            <a:schemeClr val="dk1"/>
-          </a:fontRef>
-        </p:style>
-        <p:txBody>
-          <a:bodyPr rtlCol="0" anchor="ctr"/>
-          <a:lstStyle/>
-          <a:p>
-            <a:pPr algn="ctr"/>
-            <a:r>
-              <a:rPr lang="fr-FR" sz="1100" dirty="0" smtClean="0"/>
-              <a:t>Demande de réservation </a:t>
-            </a:r>
-            <a:endParaRPr lang="fr-FR" sz="1100" dirty="0"/>
-          </a:p>
-        </p:txBody>
-      </p:sp>
-      <p:sp>
-        <p:nvSpPr>
-          <p:cNvPr id="11" name="Rectangle 10"/>
-          <p:cNvSpPr/>
-          <p:nvPr/>
-        </p:nvSpPr>
-        <p:spPr>
-          <a:xfrm>
-            <a:off x="4499992" y="3140968"/>
-            <a:ext cx="2160240" cy="576064"/>
-          </a:xfrm>
-          <a:prstGeom prst="rect">
-            <a:avLst/>
-          </a:prstGeom>
-        </p:spPr>
-        <p:style>
-          <a:lnRef idx="1">
-            <a:schemeClr val="accent3"/>
-          </a:lnRef>
-          <a:fillRef idx="2">
-            <a:schemeClr val="accent3"/>
-          </a:fillRef>
-          <a:effectRef idx="1">
-            <a:schemeClr val="accent3"/>
-          </a:effectRef>
-          <a:fontRef idx="minor">
-            <a:schemeClr val="dk1"/>
-          </a:fontRef>
-        </p:style>
-        <p:txBody>
-          <a:bodyPr rtlCol="0" anchor="ctr"/>
-          <a:lstStyle/>
-          <a:p>
-            <a:pPr algn="ctr"/>
-            <a:r>
-              <a:rPr lang="fr-FR" sz="1100" dirty="0" smtClean="0"/>
-              <a:t>Déclaré disponibilité  pour missions</a:t>
-            </a:r>
-            <a:endParaRPr lang="fr-FR" sz="1100" dirty="0"/>
-          </a:p>
-        </p:txBody>
-      </p:sp>
+        </p:grpSpPr>
+        <p:sp>
+          <p:nvSpPr>
+            <p:cNvPr id="4" name="Rectangle 3"/>
+            <p:cNvSpPr/>
+            <p:nvPr/>
+          </p:nvSpPr>
+          <p:spPr>
+            <a:xfrm>
+              <a:off x="3317472" y="404664"/>
+              <a:ext cx="2160240" cy="576064"/>
+            </a:xfrm>
+            <a:prstGeom prst="rect">
+              <a:avLst/>
+            </a:prstGeom>
+          </p:spPr>
+          <p:style>
+            <a:lnRef idx="1">
+              <a:schemeClr val="accent3"/>
+            </a:lnRef>
+            <a:fillRef idx="2">
+              <a:schemeClr val="accent3"/>
+            </a:fillRef>
+            <a:effectRef idx="1">
+              <a:schemeClr val="accent3"/>
+            </a:effectRef>
+            <a:fontRef idx="minor">
+              <a:schemeClr val="dk1"/>
+            </a:fontRef>
+          </p:style>
+          <p:txBody>
+            <a:bodyPr rtlCol="0" anchor="ctr"/>
+            <a:lstStyle/>
+            <a:p>
+              <a:pPr algn="ctr"/>
+              <a:r>
+                <a:rPr lang="fr-FR" sz="1100" dirty="0" smtClean="0"/>
+                <a:t>Authentification/Enregistrement</a:t>
+              </a:r>
+              <a:endParaRPr lang="fr-FR" sz="1100" dirty="0"/>
+            </a:p>
+          </p:txBody>
+        </p:sp>
+        <p:sp>
+          <p:nvSpPr>
+            <p:cNvPr id="5" name="Rectangle 4"/>
+            <p:cNvSpPr/>
+            <p:nvPr/>
+          </p:nvSpPr>
+          <p:spPr>
+            <a:xfrm>
+              <a:off x="3317472" y="1196752"/>
+              <a:ext cx="2160240" cy="576064"/>
+            </a:xfrm>
+            <a:prstGeom prst="rect">
+              <a:avLst/>
+            </a:prstGeom>
+          </p:spPr>
+          <p:style>
+            <a:lnRef idx="1">
+              <a:schemeClr val="accent3"/>
+            </a:lnRef>
+            <a:fillRef idx="2">
+              <a:schemeClr val="accent3"/>
+            </a:fillRef>
+            <a:effectRef idx="1">
+              <a:schemeClr val="accent3"/>
+            </a:effectRef>
+            <a:fontRef idx="minor">
+              <a:schemeClr val="dk1"/>
+            </a:fontRef>
+          </p:style>
+          <p:txBody>
+            <a:bodyPr rtlCol="0" anchor="ctr"/>
+            <a:lstStyle/>
+            <a:p>
+              <a:pPr algn="ctr"/>
+              <a:r>
+                <a:rPr lang="fr-FR" sz="1100" dirty="0" smtClean="0"/>
+                <a:t>Affiche Google </a:t>
+              </a:r>
+              <a:r>
+                <a:rPr lang="fr-FR" sz="1100" dirty="0" err="1" smtClean="0"/>
+                <a:t>Map</a:t>
+              </a:r>
+              <a:endParaRPr lang="fr-FR" sz="1100" dirty="0"/>
+            </a:p>
+          </p:txBody>
+        </p:sp>
+        <p:sp>
+          <p:nvSpPr>
+            <p:cNvPr id="6" name="Rectangle 5"/>
+            <p:cNvSpPr/>
+            <p:nvPr/>
+          </p:nvSpPr>
+          <p:spPr>
+            <a:xfrm>
+              <a:off x="3317472" y="2132856"/>
+              <a:ext cx="2160240" cy="576064"/>
+            </a:xfrm>
+            <a:prstGeom prst="rect">
+              <a:avLst/>
+            </a:prstGeom>
+          </p:spPr>
+          <p:style>
+            <a:lnRef idx="1">
+              <a:schemeClr val="accent3"/>
+            </a:lnRef>
+            <a:fillRef idx="2">
+              <a:schemeClr val="accent3"/>
+            </a:fillRef>
+            <a:effectRef idx="1">
+              <a:schemeClr val="accent3"/>
+            </a:effectRef>
+            <a:fontRef idx="minor">
+              <a:schemeClr val="dk1"/>
+            </a:fontRef>
+          </p:style>
+          <p:txBody>
+            <a:bodyPr rtlCol="0" anchor="ctr"/>
+            <a:lstStyle/>
+            <a:p>
+              <a:pPr algn="ctr"/>
+              <a:r>
+                <a:rPr lang="fr-FR" sz="1100" dirty="0" smtClean="0"/>
+                <a:t>Affiché Position Actuelle</a:t>
+              </a:r>
+              <a:endParaRPr lang="fr-FR" sz="1100" dirty="0"/>
+            </a:p>
+          </p:txBody>
+        </p:sp>
+        <p:sp>
+          <p:nvSpPr>
+            <p:cNvPr id="7" name="Rectangle 6"/>
+            <p:cNvSpPr/>
+            <p:nvPr/>
+          </p:nvSpPr>
+          <p:spPr>
+            <a:xfrm>
+              <a:off x="1259632" y="3212976"/>
+              <a:ext cx="2160240" cy="576064"/>
+            </a:xfrm>
+            <a:prstGeom prst="rect">
+              <a:avLst/>
+            </a:prstGeom>
+          </p:spPr>
+          <p:style>
+            <a:lnRef idx="1">
+              <a:schemeClr val="accent3"/>
+            </a:lnRef>
+            <a:fillRef idx="2">
+              <a:schemeClr val="accent3"/>
+            </a:fillRef>
+            <a:effectRef idx="1">
+              <a:schemeClr val="accent3"/>
+            </a:effectRef>
+            <a:fontRef idx="minor">
+              <a:schemeClr val="dk1"/>
+            </a:fontRef>
+          </p:style>
+          <p:txBody>
+            <a:bodyPr rtlCol="0" anchor="ctr"/>
+            <a:lstStyle/>
+            <a:p>
+              <a:pPr algn="ctr"/>
+              <a:r>
+                <a:rPr lang="fr-FR" sz="1100" dirty="0" smtClean="0"/>
+                <a:t>Affiché Proposition de déplacement</a:t>
+              </a:r>
+              <a:endParaRPr lang="fr-FR" sz="1100" dirty="0"/>
+            </a:p>
+          </p:txBody>
+        </p:sp>
+        <p:sp>
+          <p:nvSpPr>
+            <p:cNvPr id="8" name="Rectangle 7"/>
+            <p:cNvSpPr/>
+            <p:nvPr/>
+          </p:nvSpPr>
+          <p:spPr>
+            <a:xfrm>
+              <a:off x="1259632" y="4077072"/>
+              <a:ext cx="2160240" cy="576064"/>
+            </a:xfrm>
+            <a:prstGeom prst="rect">
+              <a:avLst/>
+            </a:prstGeom>
+          </p:spPr>
+          <p:style>
+            <a:lnRef idx="1">
+              <a:schemeClr val="accent3"/>
+            </a:lnRef>
+            <a:fillRef idx="2">
+              <a:schemeClr val="accent3"/>
+            </a:fillRef>
+            <a:effectRef idx="1">
+              <a:schemeClr val="accent3"/>
+            </a:effectRef>
+            <a:fontRef idx="minor">
+              <a:schemeClr val="dk1"/>
+            </a:fontRef>
+          </p:style>
+          <p:txBody>
+            <a:bodyPr rtlCol="0" anchor="ctr"/>
+            <a:lstStyle/>
+            <a:p>
+              <a:pPr algn="ctr"/>
+              <a:r>
+                <a:rPr lang="fr-FR" sz="1100" dirty="0" smtClean="0"/>
+                <a:t>Indiqué le Prix / Distance de déplacement</a:t>
+              </a:r>
+              <a:endParaRPr lang="fr-FR" sz="1100" dirty="0"/>
+            </a:p>
+          </p:txBody>
+        </p:sp>
+        <p:sp>
+          <p:nvSpPr>
+            <p:cNvPr id="9" name="Rectangle 8"/>
+            <p:cNvSpPr/>
+            <p:nvPr/>
+          </p:nvSpPr>
+          <p:spPr>
+            <a:xfrm>
+              <a:off x="1157232" y="4941168"/>
+              <a:ext cx="2160240" cy="576064"/>
+            </a:xfrm>
+            <a:prstGeom prst="rect">
+              <a:avLst/>
+            </a:prstGeom>
+          </p:spPr>
+          <p:style>
+            <a:lnRef idx="1">
+              <a:schemeClr val="accent3"/>
+            </a:lnRef>
+            <a:fillRef idx="2">
+              <a:schemeClr val="accent3"/>
+            </a:fillRef>
+            <a:effectRef idx="1">
+              <a:schemeClr val="accent3"/>
+            </a:effectRef>
+            <a:fontRef idx="minor">
+              <a:schemeClr val="dk1"/>
+            </a:fontRef>
+          </p:style>
+          <p:txBody>
+            <a:bodyPr rtlCol="0" anchor="ctr"/>
+            <a:lstStyle/>
+            <a:p>
+              <a:pPr algn="ctr"/>
+              <a:r>
+                <a:rPr lang="fr-FR" sz="1100" dirty="0" smtClean="0"/>
+                <a:t>Affiché disponibilité Taxieur à proximité</a:t>
+              </a:r>
+              <a:endParaRPr lang="fr-FR" sz="1100" dirty="0"/>
+            </a:p>
+          </p:txBody>
+        </p:sp>
+        <p:sp>
+          <p:nvSpPr>
+            <p:cNvPr id="10" name="Rectangle 9"/>
+            <p:cNvSpPr/>
+            <p:nvPr/>
+          </p:nvSpPr>
+          <p:spPr>
+            <a:xfrm>
+              <a:off x="1157232" y="5947456"/>
+              <a:ext cx="2160240" cy="576064"/>
+            </a:xfrm>
+            <a:prstGeom prst="rect">
+              <a:avLst/>
+            </a:prstGeom>
+          </p:spPr>
+          <p:style>
+            <a:lnRef idx="1">
+              <a:schemeClr val="accent3"/>
+            </a:lnRef>
+            <a:fillRef idx="2">
+              <a:schemeClr val="accent3"/>
+            </a:fillRef>
+            <a:effectRef idx="1">
+              <a:schemeClr val="accent3"/>
+            </a:effectRef>
+            <a:fontRef idx="minor">
+              <a:schemeClr val="dk1"/>
+            </a:fontRef>
+          </p:style>
+          <p:txBody>
+            <a:bodyPr rtlCol="0" anchor="ctr"/>
+            <a:lstStyle/>
+            <a:p>
+              <a:pPr algn="ctr"/>
+              <a:r>
+                <a:rPr lang="fr-FR" sz="1100" dirty="0" smtClean="0"/>
+                <a:t>Demande de réservation </a:t>
+              </a:r>
+              <a:endParaRPr lang="fr-FR" sz="1100" dirty="0"/>
+            </a:p>
+          </p:txBody>
+        </p:sp>
+        <p:sp>
+          <p:nvSpPr>
+            <p:cNvPr id="11" name="Rectangle 10"/>
+            <p:cNvSpPr/>
+            <p:nvPr/>
+          </p:nvSpPr>
+          <p:spPr>
+            <a:xfrm>
+              <a:off x="4499992" y="3140968"/>
+              <a:ext cx="2160240" cy="576064"/>
+            </a:xfrm>
+            <a:prstGeom prst="rect">
+              <a:avLst/>
+            </a:prstGeom>
+          </p:spPr>
+          <p:style>
+            <a:lnRef idx="1">
+              <a:schemeClr val="accent3"/>
+            </a:lnRef>
+            <a:fillRef idx="2">
+              <a:schemeClr val="accent3"/>
+            </a:fillRef>
+            <a:effectRef idx="1">
+              <a:schemeClr val="accent3"/>
+            </a:effectRef>
+            <a:fontRef idx="minor">
+              <a:schemeClr val="dk1"/>
+            </a:fontRef>
+          </p:style>
+          <p:txBody>
+            <a:bodyPr rtlCol="0" anchor="ctr"/>
+            <a:lstStyle/>
+            <a:p>
+              <a:pPr algn="ctr"/>
+              <a:r>
+                <a:rPr lang="fr-FR" sz="1100" dirty="0" smtClean="0"/>
+                <a:t>Déclaré disponibilité  pour missions</a:t>
+              </a:r>
+              <a:endParaRPr lang="fr-FR" sz="1100" dirty="0"/>
+            </a:p>
+          </p:txBody>
+        </p:sp>
+      </p:grpSp>
     </p:spTree>
     <p:extLst>
       <p:ext uri="{BB962C8B-B14F-4D97-AF65-F5344CB8AC3E}">
